--- a/WEB-РГЗ.pptx
+++ b/WEB-РГЗ.pptx
@@ -231,7 +231,7 @@
             <a:fld id="{7108038A-0CDE-4250-80E8-F900524DD1A0}" type="datetimeFigureOut">
               <a:rPr lang="ru-RU" smtClean="0"/>
               <a:pPr/>
-              <a:t>21.04.2024</a:t>
+              <a:t>22.04.2024</a:t>
             </a:fld>
             <a:endParaRPr lang="ru-RU"/>
           </a:p>
@@ -780,7 +780,7 @@
             <a:fld id="{72CC2833-C8F9-4B29-8CC8-DB534F574E64}" type="datetime1">
               <a:rPr lang="ru-RU" smtClean="0"/>
               <a:pPr/>
-              <a:t>21.04.2024</a:t>
+              <a:t>22.04.2024</a:t>
             </a:fld>
             <a:endParaRPr lang="ru-RU"/>
           </a:p>
@@ -945,7 +945,7 @@
             <a:fld id="{CA9E6000-486D-494D-A00A-CB1EF8FAEED7}" type="datetime1">
               <a:rPr lang="ru-RU" smtClean="0"/>
               <a:pPr/>
-              <a:t>21.04.2024</a:t>
+              <a:t>22.04.2024</a:t>
             </a:fld>
             <a:endParaRPr lang="ru-RU"/>
           </a:p>
@@ -1120,7 +1120,7 @@
             <a:fld id="{54C7FF4E-7396-49C8-857A-ED6A259C6A54}" type="datetime1">
               <a:rPr lang="ru-RU" smtClean="0"/>
               <a:pPr/>
-              <a:t>21.04.2024</a:t>
+              <a:t>22.04.2024</a:t>
             </a:fld>
             <a:endParaRPr lang="ru-RU"/>
           </a:p>
@@ -1285,7 +1285,7 @@
             <a:fld id="{F00275EA-FF70-4D5A-87FD-9D8A5E4A3477}" type="datetime1">
               <a:rPr lang="ru-RU" smtClean="0"/>
               <a:pPr/>
-              <a:t>21.04.2024</a:t>
+              <a:t>22.04.2024</a:t>
             </a:fld>
             <a:endParaRPr lang="ru-RU"/>
           </a:p>
@@ -1527,7 +1527,7 @@
             <a:fld id="{3EB9A0F5-3DE8-4836-B7A0-BEC2C5FD88B5}" type="datetime1">
               <a:rPr lang="ru-RU" smtClean="0"/>
               <a:pPr/>
-              <a:t>21.04.2024</a:t>
+              <a:t>22.04.2024</a:t>
             </a:fld>
             <a:endParaRPr lang="ru-RU"/>
           </a:p>
@@ -1809,7 +1809,7 @@
             <a:fld id="{A8CCB956-2B09-401D-AE2A-F510F7EAFD2A}" type="datetime1">
               <a:rPr lang="ru-RU" smtClean="0"/>
               <a:pPr/>
-              <a:t>21.04.2024</a:t>
+              <a:t>22.04.2024</a:t>
             </a:fld>
             <a:endParaRPr lang="ru-RU"/>
           </a:p>
@@ -2225,7 +2225,7 @@
             <a:fld id="{1D47D0E5-1D74-4810-BB37-03AD3CC982DE}" type="datetime1">
               <a:rPr lang="ru-RU" smtClean="0"/>
               <a:pPr/>
-              <a:t>21.04.2024</a:t>
+              <a:t>22.04.2024</a:t>
             </a:fld>
             <a:endParaRPr lang="ru-RU"/>
           </a:p>
@@ -2339,7 +2339,7 @@
             <a:fld id="{35D6CE92-9BBD-4BF8-8B8B-437761CA8A42}" type="datetime1">
               <a:rPr lang="ru-RU" smtClean="0"/>
               <a:pPr/>
-              <a:t>21.04.2024</a:t>
+              <a:t>22.04.2024</a:t>
             </a:fld>
             <a:endParaRPr lang="ru-RU"/>
           </a:p>
@@ -2438,7 +2438,7 @@
             <a:fld id="{6AEF655C-7482-4245-A906-DECEA9FD5ED2}" type="datetime1">
               <a:rPr lang="ru-RU" smtClean="0"/>
               <a:pPr/>
-              <a:t>21.04.2024</a:t>
+              <a:t>22.04.2024</a:t>
             </a:fld>
             <a:endParaRPr lang="ru-RU" dirty="0"/>
           </a:p>
@@ -2724,7 +2724,7 @@
             <a:fld id="{503336A8-F724-4ADA-AA8B-E4056CCB1713}" type="datetime1">
               <a:rPr lang="ru-RU" smtClean="0"/>
               <a:pPr/>
-              <a:t>21.04.2024</a:t>
+              <a:t>22.04.2024</a:t>
             </a:fld>
             <a:endParaRPr lang="ru-RU"/>
           </a:p>
@@ -2973,7 +2973,7 @@
             <a:fld id="{6AF23D99-8FB4-4019-9B6F-2A0610503A0E}" type="datetime1">
               <a:rPr lang="ru-RU" smtClean="0"/>
               <a:pPr/>
-              <a:t>21.04.2024</a:t>
+              <a:t>22.04.2024</a:t>
             </a:fld>
             <a:endParaRPr lang="ru-RU"/>
           </a:p>
@@ -3181,7 +3181,7 @@
             <a:fld id="{34C543A7-493F-4388-9919-1F4D517C1983}" type="datetime1">
               <a:rPr lang="ru-RU" smtClean="0"/>
               <a:pPr/>
-              <a:t>21.04.2024</a:t>
+              <a:t>22.04.2024</a:t>
             </a:fld>
             <a:endParaRPr lang="ru-RU"/>
           </a:p>
@@ -10885,7 +10885,15 @@
                 <a:latin typeface="Stem" pitchFamily="34" charset="-52"/>
                 <a:ea typeface="Stem" pitchFamily="34" charset="-52"/>
               </a:rPr>
-              <a:t> предметной области</a:t>
+              <a:t> </a:t>
+            </a:r>
+            <a:r>
+              <a:rPr lang="ru-RU" sz="2800" b="1" dirty="0">
+                <a:latin typeface="Times New Roman" panose="02020603050405020304" pitchFamily="18" charset="0"/>
+                <a:ea typeface="Stem" pitchFamily="34" charset="-52"/>
+                <a:cs typeface="Times New Roman" panose="02020603050405020304" pitchFamily="18" charset="0"/>
+              </a:rPr>
+              <a:t>предметной области</a:t>
             </a:r>
           </a:p>
         </p:txBody>
